--- a/Sistema de Reservas De Entradas Para Eventos.pptx
+++ b/Sistema de Reservas De Entradas Para Eventos.pptx
@@ -18884,13 +18884,6 @@
   <p:clrMapOvr>
     <a:masterClrMapping/>
   </p:clrMapOvr>
-  <p:timing>
-    <p:tnLst>
-      <p:par>
-        <p:cTn id="1" dur="indefinite" restart="never" nodeType="tmRoot"/>
-      </p:par>
-    </p:tnLst>
-  </p:timing>
 </p:sld>
 </file>
 
@@ -18970,13 +18963,6 @@
   <p:clrMapOvr>
     <a:masterClrMapping/>
   </p:clrMapOvr>
-  <p:timing>
-    <p:tnLst>
-      <p:par>
-        <p:cTn id="1" dur="indefinite" restart="never" nodeType="tmRoot"/>
-      </p:par>
-    </p:tnLst>
-  </p:timing>
 </p:sld>
 </file>
 
@@ -19165,28 +19151,22 @@
       </p:grpSpPr>
       <p:pic>
         <p:nvPicPr>
-          <p:cNvPr id="8" name="Imagen 7"/>
+          <p:cNvPr id="2" name="Imagen 1"/>
           <p:cNvPicPr>
             <a:picLocks noChangeAspect="1"/>
           </p:cNvPicPr>
           <p:nvPr/>
         </p:nvPicPr>
         <p:blipFill>
-          <a:blip r:embed="rId2">
-            <a:extLst>
-              <a:ext uri="{28A0092B-C50C-407E-A947-70E740481C1C}">
-                <a14:useLocalDpi xmlns:a14="http://schemas.microsoft.com/office/drawing/2010/main" val="0"/>
-              </a:ext>
-            </a:extLst>
-          </a:blip>
+          <a:blip r:embed="rId2"/>
           <a:stretch>
             <a:fillRect/>
           </a:stretch>
         </p:blipFill>
         <p:spPr>
           <a:xfrm>
-            <a:off x="1660524" y="0"/>
-            <a:ext cx="9185275" cy="6894543"/>
+            <a:off x="1544634" y="0"/>
+            <a:ext cx="9171261" cy="6858000"/>
           </a:xfrm>
           <a:prstGeom prst="rect">
             <a:avLst/>
@@ -19203,13 +19183,6 @@
   <p:clrMapOvr>
     <a:masterClrMapping/>
   </p:clrMapOvr>
-  <p:timing>
-    <p:tnLst>
-      <p:par>
-        <p:cTn id="1" dur="indefinite" restart="never" nodeType="tmRoot"/>
-      </p:par>
-    </p:tnLst>
-  </p:timing>
 </p:sld>
 </file>
 
@@ -19251,10 +19224,9 @@
           <a:lstStyle/>
           <a:p>
             <a:r>
-              <a:rPr lang="es-PE" dirty="0" smtClean="0"/>
+              <a:rPr lang="es-PE" dirty="0"/>
               <a:t>INTEGRANTES</a:t>
             </a:r>
-            <a:endParaRPr lang="es-PE" dirty="0"/>
           </a:p>
         </p:txBody>
       </p:sp>
@@ -19599,7 +19571,7 @@
                 <a:buNone/>
               </a:pPr>
               <a:r>
-                <a:rPr lang="es-PE" sz="1800" b="0" i="0" u="none" strike="noStrike" cap="none" dirty="0" smtClean="0">
+                <a:rPr lang="es-PE" sz="1800" b="0" i="0" u="none" strike="noStrike" cap="none" dirty="0">
                   <a:solidFill>
                     <a:schemeClr val="lt1"/>
                   </a:solidFill>
@@ -19611,7 +19583,7 @@
                 <a:t>Tatiana </a:t>
               </a:r>
               <a:r>
-                <a:rPr lang="es-PE" sz="1800" b="0" i="0" u="none" strike="noStrike" cap="none" dirty="0" err="1" smtClean="0">
+                <a:rPr lang="es-PE" sz="1800" b="0" i="0" u="none" strike="noStrike" cap="none" dirty="0" err="1">
                   <a:solidFill>
                     <a:schemeClr val="lt1"/>
                   </a:solidFill>
@@ -19766,7 +19738,7 @@
                 <a:buNone/>
               </a:pPr>
               <a:r>
-                <a:rPr lang="es-PE" sz="1800" b="0" i="0" u="none" strike="noStrike" cap="none" dirty="0" smtClean="0">
+                <a:rPr lang="es-PE" sz="1800" b="0" i="0" u="none" strike="noStrike" cap="none" dirty="0">
                   <a:solidFill>
                     <a:schemeClr val="lt1"/>
                   </a:solidFill>
@@ -19778,7 +19750,7 @@
                 <a:t>Miguel </a:t>
               </a:r>
               <a:r>
-                <a:rPr lang="es-PE" sz="1800" b="0" i="0" u="none" strike="noStrike" cap="none" dirty="0" err="1" smtClean="0">
+                <a:rPr lang="es-PE" sz="1800" b="0" i="0" u="none" strike="noStrike" cap="none" dirty="0" err="1">
                   <a:solidFill>
                     <a:schemeClr val="lt1"/>
                   </a:solidFill>
@@ -19933,7 +19905,7 @@
                 <a:buNone/>
               </a:pPr>
               <a:r>
-                <a:rPr lang="es-PE" sz="1800" b="0" i="0" u="none" strike="noStrike" cap="none" dirty="0" err="1" smtClean="0">
+                <a:rPr lang="es-PE" sz="1800" b="0" i="0" u="none" strike="noStrike" cap="none" dirty="0" err="1">
                   <a:solidFill>
                     <a:schemeClr val="lt1"/>
                   </a:solidFill>
@@ -19945,7 +19917,7 @@
                 <a:t>Jhonatan</a:t>
               </a:r>
               <a:r>
-                <a:rPr lang="es-PE" sz="1800" b="0" i="0" u="none" strike="noStrike" cap="none" dirty="0" smtClean="0">
+                <a:rPr lang="es-PE" sz="1800" b="0" i="0" u="none" strike="noStrike" cap="none" dirty="0">
                   <a:solidFill>
                     <a:schemeClr val="lt1"/>
                   </a:solidFill>
@@ -19956,15 +19928,6 @@
                 </a:rPr>
                 <a:t> Salvatierra</a:t>
               </a:r>
-              <a:endParaRPr lang="es-PE" sz="1800" b="0" i="0" u="none" strike="noStrike" cap="none" dirty="0">
-                <a:solidFill>
-                  <a:schemeClr val="lt1"/>
-                </a:solidFill>
-                <a:latin typeface="Questrial"/>
-                <a:ea typeface="Questrial"/>
-                <a:cs typeface="Questrial"/>
-                <a:sym typeface="Questrial"/>
-              </a:endParaRPr>
             </a:p>
           </p:txBody>
         </p:sp>
@@ -20098,13 +20061,6 @@
   <p:clrMapOvr>
     <a:masterClrMapping/>
   </p:clrMapOvr>
-  <p:timing>
-    <p:tnLst>
-      <p:par>
-        <p:cTn id="1" dur="indefinite" restart="never" nodeType="tmRoot"/>
-      </p:par>
-    </p:tnLst>
-  </p:timing>
 </p:sld>
 </file>
 
@@ -20722,18 +20678,6 @@
                 <a:sym typeface="Questrial"/>
               </a:rPr>
               <a:t>ALCANCE</a:t>
-            </a:r>
-            <a:r>
-              <a:rPr lang="es-PE" sz="3200" b="0" i="0" u="none" strike="noStrike" cap="none">
-                <a:solidFill>
-                  <a:srgbClr val="C37B15"/>
-                </a:solidFill>
-                <a:latin typeface="Questrial"/>
-                <a:ea typeface="Questrial"/>
-                <a:cs typeface="Questrial"/>
-                <a:sym typeface="Questrial"/>
-              </a:rPr>
-              <a:t/>
             </a:r>
             <a:br>
               <a:rPr lang="es-PE" sz="3200" b="0" i="0" u="none" strike="noStrike" cap="none">
@@ -21232,18 +21176,6 @@
                 <a:sym typeface="Questrial"/>
               </a:rPr>
             </a:br>
-            <a:r>
-              <a:rPr lang="es-PE" sz="3200" b="1" i="0" u="sng" strike="noStrike" cap="none">
-                <a:solidFill>
-                  <a:schemeClr val="lt1"/>
-                </a:solidFill>
-                <a:latin typeface="Questrial"/>
-                <a:ea typeface="Questrial"/>
-                <a:cs typeface="Questrial"/>
-                <a:sym typeface="Questrial"/>
-              </a:rPr>
-              <a:t/>
-            </a:r>
             <a:br>
               <a:rPr lang="es-PE" sz="3200" b="1" i="0" u="sng" strike="noStrike" cap="none">
                 <a:solidFill>
@@ -21440,13 +21372,6 @@
   <p:clrMapOvr>
     <a:masterClrMapping/>
   </p:clrMapOvr>
-  <p:timing>
-    <p:tnLst>
-      <p:par>
-        <p:cTn id="1" dur="indefinite" restart="never" nodeType="tmRoot"/>
-      </p:par>
-    </p:tnLst>
-  </p:timing>
 </p:sld>
 </file>
 
@@ -21526,13 +21451,6 @@
   <p:clrMapOvr>
     <a:masterClrMapping/>
   </p:clrMapOvr>
-  <p:timing>
-    <p:tnLst>
-      <p:par>
-        <p:cTn id="1" dur="indefinite" restart="never" nodeType="tmRoot"/>
-      </p:par>
-    </p:tnLst>
-  </p:timing>
 </p:sld>
 </file>
 
@@ -21667,13 +21585,6 @@
   <p:clrMapOvr>
     <a:masterClrMapping/>
   </p:clrMapOvr>
-  <p:timing>
-    <p:tnLst>
-      <p:par>
-        <p:cTn id="1" dur="indefinite" restart="never" nodeType="tmRoot"/>
-      </p:par>
-    </p:tnLst>
-  </p:timing>
 </p:sld>
 </file>
 
@@ -21753,13 +21664,6 @@
   <p:clrMapOvr>
     <a:masterClrMapping/>
   </p:clrMapOvr>
-  <p:timing>
-    <p:tnLst>
-      <p:par>
-        <p:cTn id="1" dur="indefinite" restart="never" nodeType="tmRoot"/>
-      </p:par>
-    </p:tnLst>
-  </p:timing>
 </p:sld>
 </file>
 

--- a/Sistema de Reservas De Entradas Para Eventos.pptx
+++ b/Sistema de Reservas De Entradas Para Eventos.pptx
@@ -19151,7 +19151,7 @@
       </p:grpSpPr>
       <p:pic>
         <p:nvPicPr>
-          <p:cNvPr id="2" name="Imagen 1"/>
+          <p:cNvPr id="3" name="Imagen 2"/>
           <p:cNvPicPr>
             <a:picLocks noChangeAspect="1"/>
           </p:cNvPicPr>
@@ -19165,8 +19165,8 @@
         </p:blipFill>
         <p:spPr>
           <a:xfrm>
-            <a:off x="1544634" y="0"/>
-            <a:ext cx="9171261" cy="6858000"/>
+            <a:off x="1568096" y="0"/>
+            <a:ext cx="9381010" cy="6858000"/>
           </a:xfrm>
           <a:prstGeom prst="rect">
             <a:avLst/>
